--- a/Презентация.pptx
+++ b/Презентация.pptx
@@ -182,7 +182,7 @@
           </a:lstStyle>
           <a:p>
             <a:r>
-              <a:rPr lang="ru-RU" smtClean="0"/>
+              <a:rPr lang="ru-RU"/>
               <a:t>Образец заголовка</a:t>
             </a:r>
             <a:endParaRPr lang="en-US" dirty="0"/>
@@ -257,7 +257,7 @@
           </a:lstStyle>
           <a:p>
             <a:r>
-              <a:rPr lang="ru-RU" smtClean="0"/>
+              <a:rPr lang="ru-RU"/>
               <a:t>Образец подзаголовка</a:t>
             </a:r>
             <a:endParaRPr lang="en-US" dirty="0"/>
@@ -375,7 +375,7 @@
           <a:lstStyle/>
           <a:p>
             <a:r>
-              <a:rPr lang="ru-RU" smtClean="0"/>
+              <a:rPr lang="ru-RU"/>
               <a:t>Образец заголовка</a:t>
             </a:r>
             <a:endParaRPr lang="en-US" dirty="0"/>
@@ -399,35 +399,35 @@
           <a:p>
             <a:pPr lvl="0"/>
             <a:r>
-              <a:rPr lang="ru-RU" smtClean="0"/>
+              <a:rPr lang="ru-RU"/>
               <a:t>Образец текста</a:t>
             </a:r>
           </a:p>
           <a:p>
             <a:pPr lvl="1"/>
             <a:r>
-              <a:rPr lang="ru-RU" smtClean="0"/>
+              <a:rPr lang="ru-RU"/>
               <a:t>Второй уровень</a:t>
             </a:r>
           </a:p>
           <a:p>
             <a:pPr lvl="2"/>
             <a:r>
-              <a:rPr lang="ru-RU" smtClean="0"/>
+              <a:rPr lang="ru-RU"/>
               <a:t>Третий уровень</a:t>
             </a:r>
           </a:p>
           <a:p>
             <a:pPr lvl="3"/>
             <a:r>
-              <a:rPr lang="ru-RU" smtClean="0"/>
+              <a:rPr lang="ru-RU"/>
               <a:t>Четвертый уровень</a:t>
             </a:r>
           </a:p>
           <a:p>
             <a:pPr lvl="4"/>
             <a:r>
-              <a:rPr lang="ru-RU" smtClean="0"/>
+              <a:rPr lang="ru-RU"/>
               <a:t>Пятый уровень</a:t>
             </a:r>
             <a:endParaRPr lang="en-US" dirty="0"/>
@@ -550,7 +550,7 @@
           <a:lstStyle/>
           <a:p>
             <a:r>
-              <a:rPr lang="ru-RU" smtClean="0"/>
+              <a:rPr lang="ru-RU"/>
               <a:t>Образец заголовка</a:t>
             </a:r>
             <a:endParaRPr lang="en-US" dirty="0"/>
@@ -579,35 +579,35 @@
           <a:p>
             <a:pPr lvl="0"/>
             <a:r>
-              <a:rPr lang="ru-RU" smtClean="0"/>
+              <a:rPr lang="ru-RU"/>
               <a:t>Образец текста</a:t>
             </a:r>
           </a:p>
           <a:p>
             <a:pPr lvl="1"/>
             <a:r>
-              <a:rPr lang="ru-RU" smtClean="0"/>
+              <a:rPr lang="ru-RU"/>
               <a:t>Второй уровень</a:t>
             </a:r>
           </a:p>
           <a:p>
             <a:pPr lvl="2"/>
             <a:r>
-              <a:rPr lang="ru-RU" smtClean="0"/>
+              <a:rPr lang="ru-RU"/>
               <a:t>Третий уровень</a:t>
             </a:r>
           </a:p>
           <a:p>
             <a:pPr lvl="3"/>
             <a:r>
-              <a:rPr lang="ru-RU" smtClean="0"/>
+              <a:rPr lang="ru-RU"/>
               <a:t>Четвертый уровень</a:t>
             </a:r>
           </a:p>
           <a:p>
             <a:pPr lvl="4"/>
             <a:r>
-              <a:rPr lang="ru-RU" smtClean="0"/>
+              <a:rPr lang="ru-RU"/>
               <a:t>Пятый уровень</a:t>
             </a:r>
             <a:endParaRPr lang="en-US" dirty="0"/>
@@ -725,7 +725,7 @@
           <a:lstStyle/>
           <a:p>
             <a:r>
-              <a:rPr lang="ru-RU" smtClean="0"/>
+              <a:rPr lang="ru-RU"/>
               <a:t>Образец заголовка</a:t>
             </a:r>
             <a:endParaRPr lang="en-US" dirty="0"/>
@@ -749,35 +749,35 @@
           <a:p>
             <a:pPr lvl="0"/>
             <a:r>
-              <a:rPr lang="ru-RU" smtClean="0"/>
+              <a:rPr lang="ru-RU"/>
               <a:t>Образец текста</a:t>
             </a:r>
           </a:p>
           <a:p>
             <a:pPr lvl="1"/>
             <a:r>
-              <a:rPr lang="ru-RU" smtClean="0"/>
+              <a:rPr lang="ru-RU"/>
               <a:t>Второй уровень</a:t>
             </a:r>
           </a:p>
           <a:p>
             <a:pPr lvl="2"/>
             <a:r>
-              <a:rPr lang="ru-RU" smtClean="0"/>
+              <a:rPr lang="ru-RU"/>
               <a:t>Третий уровень</a:t>
             </a:r>
           </a:p>
           <a:p>
             <a:pPr lvl="3"/>
             <a:r>
-              <a:rPr lang="ru-RU" smtClean="0"/>
+              <a:rPr lang="ru-RU"/>
               <a:t>Четвертый уровень</a:t>
             </a:r>
           </a:p>
           <a:p>
             <a:pPr lvl="4"/>
             <a:r>
-              <a:rPr lang="ru-RU" smtClean="0"/>
+              <a:rPr lang="ru-RU"/>
               <a:t>Пятый уровень</a:t>
             </a:r>
             <a:endParaRPr lang="en-US" dirty="0"/>
@@ -926,7 +926,7 @@
           </a:lstStyle>
           <a:p>
             <a:r>
-              <a:rPr lang="ru-RU" smtClean="0"/>
+              <a:rPr lang="ru-RU"/>
               <a:t>Образец заголовка</a:t>
             </a:r>
             <a:endParaRPr lang="en-US" dirty="0"/>
@@ -1046,7 +1046,7 @@
           <a:p>
             <a:pPr lvl="0"/>
             <a:r>
-              <a:rPr lang="ru-RU" smtClean="0"/>
+              <a:rPr lang="ru-RU"/>
               <a:t>Образец текста</a:t>
             </a:r>
           </a:p>
@@ -1163,7 +1163,7 @@
           <a:lstStyle/>
           <a:p>
             <a:r>
-              <a:rPr lang="ru-RU" smtClean="0"/>
+              <a:rPr lang="ru-RU"/>
               <a:t>Образец заголовка</a:t>
             </a:r>
             <a:endParaRPr lang="en-US" dirty="0"/>
@@ -1192,35 +1192,35 @@
           <a:p>
             <a:pPr lvl="0"/>
             <a:r>
-              <a:rPr lang="ru-RU" smtClean="0"/>
+              <a:rPr lang="ru-RU"/>
               <a:t>Образец текста</a:t>
             </a:r>
           </a:p>
           <a:p>
             <a:pPr lvl="1"/>
             <a:r>
-              <a:rPr lang="ru-RU" smtClean="0"/>
+              <a:rPr lang="ru-RU"/>
               <a:t>Второй уровень</a:t>
             </a:r>
           </a:p>
           <a:p>
             <a:pPr lvl="2"/>
             <a:r>
-              <a:rPr lang="ru-RU" smtClean="0"/>
+              <a:rPr lang="ru-RU"/>
               <a:t>Третий уровень</a:t>
             </a:r>
           </a:p>
           <a:p>
             <a:pPr lvl="3"/>
             <a:r>
-              <a:rPr lang="ru-RU" smtClean="0"/>
+              <a:rPr lang="ru-RU"/>
               <a:t>Четвертый уровень</a:t>
             </a:r>
           </a:p>
           <a:p>
             <a:pPr lvl="4"/>
             <a:r>
-              <a:rPr lang="ru-RU" smtClean="0"/>
+              <a:rPr lang="ru-RU"/>
               <a:t>Пятый уровень</a:t>
             </a:r>
             <a:endParaRPr lang="en-US" dirty="0"/>
@@ -1249,35 +1249,35 @@
           <a:p>
             <a:pPr lvl="0"/>
             <a:r>
-              <a:rPr lang="ru-RU" smtClean="0"/>
+              <a:rPr lang="ru-RU"/>
               <a:t>Образец текста</a:t>
             </a:r>
           </a:p>
           <a:p>
             <a:pPr lvl="1"/>
             <a:r>
-              <a:rPr lang="ru-RU" smtClean="0"/>
+              <a:rPr lang="ru-RU"/>
               <a:t>Второй уровень</a:t>
             </a:r>
           </a:p>
           <a:p>
             <a:pPr lvl="2"/>
             <a:r>
-              <a:rPr lang="ru-RU" smtClean="0"/>
+              <a:rPr lang="ru-RU"/>
               <a:t>Третий уровень</a:t>
             </a:r>
           </a:p>
           <a:p>
             <a:pPr lvl="3"/>
             <a:r>
-              <a:rPr lang="ru-RU" smtClean="0"/>
+              <a:rPr lang="ru-RU"/>
               <a:t>Четвертый уровень</a:t>
             </a:r>
           </a:p>
           <a:p>
             <a:pPr lvl="4"/>
             <a:r>
-              <a:rPr lang="ru-RU" smtClean="0"/>
+              <a:rPr lang="ru-RU"/>
               <a:t>Пятый уровень</a:t>
             </a:r>
             <a:endParaRPr lang="en-US" dirty="0"/>
@@ -1446,7 +1446,7 @@
           <a:p>
             <a:pPr lvl="0"/>
             <a:r>
-              <a:rPr lang="ru-RU" smtClean="0"/>
+              <a:rPr lang="ru-RU"/>
               <a:t>Образец текста</a:t>
             </a:r>
           </a:p>
@@ -1474,35 +1474,35 @@
           <a:p>
             <a:pPr lvl="0"/>
             <a:r>
-              <a:rPr lang="ru-RU" smtClean="0"/>
+              <a:rPr lang="ru-RU"/>
               <a:t>Образец текста</a:t>
             </a:r>
           </a:p>
           <a:p>
             <a:pPr lvl="1"/>
             <a:r>
-              <a:rPr lang="ru-RU" smtClean="0"/>
+              <a:rPr lang="ru-RU"/>
               <a:t>Второй уровень</a:t>
             </a:r>
           </a:p>
           <a:p>
             <a:pPr lvl="2"/>
             <a:r>
-              <a:rPr lang="ru-RU" smtClean="0"/>
+              <a:rPr lang="ru-RU"/>
               <a:t>Третий уровень</a:t>
             </a:r>
           </a:p>
           <a:p>
             <a:pPr lvl="3"/>
             <a:r>
-              <a:rPr lang="ru-RU" smtClean="0"/>
+              <a:rPr lang="ru-RU"/>
               <a:t>Четвертый уровень</a:t>
             </a:r>
           </a:p>
           <a:p>
             <a:pPr lvl="4"/>
             <a:r>
-              <a:rPr lang="ru-RU" smtClean="0"/>
+              <a:rPr lang="ru-RU"/>
               <a:t>Пятый уровень</a:t>
             </a:r>
             <a:endParaRPr lang="en-US" dirty="0"/>
@@ -1535,35 +1535,35 @@
           <a:p>
             <a:pPr lvl="0"/>
             <a:r>
-              <a:rPr lang="ru-RU" smtClean="0"/>
+              <a:rPr lang="ru-RU"/>
               <a:t>Образец текста</a:t>
             </a:r>
           </a:p>
           <a:p>
             <a:pPr lvl="1"/>
             <a:r>
-              <a:rPr lang="ru-RU" smtClean="0"/>
+              <a:rPr lang="ru-RU"/>
               <a:t>Второй уровень</a:t>
             </a:r>
           </a:p>
           <a:p>
             <a:pPr lvl="2"/>
             <a:r>
-              <a:rPr lang="ru-RU" smtClean="0"/>
+              <a:rPr lang="ru-RU"/>
               <a:t>Третий уровень</a:t>
             </a:r>
           </a:p>
           <a:p>
             <a:pPr lvl="3"/>
             <a:r>
-              <a:rPr lang="ru-RU" smtClean="0"/>
+              <a:rPr lang="ru-RU"/>
               <a:t>Четвертый уровень</a:t>
             </a:r>
           </a:p>
           <a:p>
             <a:pPr lvl="4"/>
             <a:r>
-              <a:rPr lang="ru-RU" smtClean="0"/>
+              <a:rPr lang="ru-RU"/>
               <a:t>Пятый уровень</a:t>
             </a:r>
             <a:endParaRPr lang="en-US" dirty="0"/>
@@ -1637,7 +1637,7 @@
           <a:p>
             <a:pPr lvl="0"/>
             <a:r>
-              <a:rPr lang="ru-RU" smtClean="0"/>
+              <a:rPr lang="ru-RU"/>
               <a:t>Образец текста</a:t>
             </a:r>
           </a:p>
@@ -1724,7 +1724,7 @@
           <a:lstStyle/>
           <a:p>
             <a:r>
-              <a:rPr lang="ru-RU" smtClean="0"/>
+              <a:rPr lang="ru-RU"/>
               <a:t>Образец заголовка</a:t>
             </a:r>
             <a:endParaRPr lang="en-US" dirty="0"/>
@@ -1777,7 +1777,7 @@
           <a:lstStyle/>
           <a:p>
             <a:r>
-              <a:rPr lang="ru-RU" smtClean="0"/>
+              <a:rPr lang="ru-RU"/>
               <a:t>Образец заголовка</a:t>
             </a:r>
             <a:endParaRPr lang="en-US" dirty="0"/>
@@ -2051,7 +2051,7 @@
           </a:lstStyle>
           <a:p>
             <a:r>
-              <a:rPr lang="ru-RU" smtClean="0"/>
+              <a:rPr lang="ru-RU"/>
               <a:t>Образец заголовка</a:t>
             </a:r>
             <a:endParaRPr lang="en-US" dirty="0"/>
@@ -2130,35 +2130,35 @@
           <a:p>
             <a:pPr lvl="0"/>
             <a:r>
-              <a:rPr lang="ru-RU" smtClean="0"/>
+              <a:rPr lang="ru-RU"/>
               <a:t>Образец текста</a:t>
             </a:r>
           </a:p>
           <a:p>
             <a:pPr lvl="1"/>
             <a:r>
-              <a:rPr lang="ru-RU" smtClean="0"/>
+              <a:rPr lang="ru-RU"/>
               <a:t>Второй уровень</a:t>
             </a:r>
           </a:p>
           <a:p>
             <a:pPr lvl="2"/>
             <a:r>
-              <a:rPr lang="ru-RU" smtClean="0"/>
+              <a:rPr lang="ru-RU"/>
               <a:t>Третий уровень</a:t>
             </a:r>
           </a:p>
           <a:p>
             <a:pPr lvl="3"/>
             <a:r>
-              <a:rPr lang="ru-RU" smtClean="0"/>
+              <a:rPr lang="ru-RU"/>
               <a:t>Четвертый уровень</a:t>
             </a:r>
           </a:p>
           <a:p>
             <a:pPr lvl="4"/>
             <a:r>
-              <a:rPr lang="ru-RU" smtClean="0"/>
+              <a:rPr lang="ru-RU"/>
               <a:t>Пятый уровень</a:t>
             </a:r>
             <a:endParaRPr lang="en-US" dirty="0"/>
@@ -2230,7 +2230,7 @@
           <a:p>
             <a:pPr lvl="0"/>
             <a:r>
-              <a:rPr lang="ru-RU" smtClean="0"/>
+              <a:rPr lang="ru-RU"/>
               <a:t>Образец текста</a:t>
             </a:r>
           </a:p>
@@ -2423,7 +2423,7 @@
           </a:lstStyle>
           <a:p>
             <a:r>
-              <a:rPr lang="ru-RU" smtClean="0"/>
+              <a:rPr lang="ru-RU"/>
               <a:t>Образец заголовка</a:t>
             </a:r>
             <a:endParaRPr lang="en-US" dirty="0"/>
@@ -2500,7 +2500,7 @@
           </a:lstStyle>
           <a:p>
             <a:r>
-              <a:rPr lang="ru-RU" smtClean="0"/>
+              <a:rPr lang="ru-RU"/>
               <a:t>Вставка рисунка</a:t>
             </a:r>
             <a:endParaRPr lang="en-US" dirty="0"/>
@@ -2572,7 +2572,7 @@
           <a:p>
             <a:pPr lvl="0"/>
             <a:r>
-              <a:rPr lang="ru-RU" smtClean="0"/>
+              <a:rPr lang="ru-RU"/>
               <a:t>Образец текста</a:t>
             </a:r>
           </a:p>
@@ -2748,7 +2748,7 @@
           <a:lstStyle/>
           <a:p>
             <a:r>
-              <a:rPr lang="ru-RU" smtClean="0"/>
+              <a:rPr lang="ru-RU"/>
               <a:t>Образец заголовка</a:t>
             </a:r>
             <a:endParaRPr lang="en-US" dirty="0"/>
@@ -3319,17 +3319,17 @@
           <a:lstStyle/>
           <a:p>
             <a:r>
-              <a:rPr lang="ru-RU" dirty="0" smtClean="0"/>
+              <a:rPr lang="ru-RU" dirty="0"/>
               <a:t>Проект </a:t>
             </a:r>
             <a:r>
-              <a:rPr lang="en-US" dirty="0" err="1" smtClean="0">
+              <a:rPr lang="en-US" dirty="0" err="1">
                 <a:latin typeface="Corbel" panose="020B0503020204020204" pitchFamily="34" charset="0"/>
               </a:rPr>
               <a:t>WebServer</a:t>
             </a:r>
             <a:r>
-              <a:rPr lang="en-US" dirty="0" smtClean="0">
+              <a:rPr lang="en-US" dirty="0">
                 <a:latin typeface="Corbel" panose="020B0503020204020204" pitchFamily="34" charset="0"/>
               </a:rPr>
               <a:t> + API</a:t>
@@ -3356,19 +3356,19 @@
           <a:lstStyle/>
           <a:p>
             <a:r>
-              <a:rPr lang="ru-RU" dirty="0" smtClean="0">
+              <a:rPr lang="ru-RU" dirty="0">
                 <a:effectLst/>
               </a:rPr>
               <a:t>Название проекта</a:t>
             </a:r>
             <a:r>
-              <a:rPr lang="en-US" dirty="0" smtClean="0">
+              <a:rPr lang="en-US" dirty="0">
                 <a:effectLst/>
               </a:rPr>
               <a:t>: </a:t>
             </a:r>
             <a:r>
-              <a:rPr lang="ru-RU" dirty="0" smtClean="0">
+              <a:rPr lang="ru-RU" dirty="0">
                 <a:effectLst/>
               </a:rPr>
               <a:t>Словесный бот</a:t>
@@ -3376,43 +3376,43 @@
           </a:p>
           <a:p>
             <a:r>
-              <a:rPr lang="ru-RU" dirty="0" smtClean="0">
+              <a:rPr lang="ru-RU" dirty="0">
                 <a:effectLst/>
               </a:rPr>
               <a:t>Автор проекта: </a:t>
             </a:r>
             <a:r>
-              <a:rPr lang="ru-RU" dirty="0" err="1" smtClean="0">
+              <a:rPr lang="ru-RU" dirty="0" err="1">
                 <a:effectLst/>
               </a:rPr>
               <a:t>Мясникова</a:t>
             </a:r>
             <a:r>
-              <a:rPr lang="ru-RU" dirty="0" smtClean="0">
+              <a:rPr lang="ru-RU" dirty="0">
                 <a:effectLst/>
               </a:rPr>
               <a:t> Дарья</a:t>
             </a:r>
             <a:r>
-              <a:rPr lang="en-US" dirty="0" smtClean="0">
+              <a:rPr lang="en-US" dirty="0">
                 <a:effectLst/>
               </a:rPr>
               <a:t>, </a:t>
             </a:r>
             <a:r>
-              <a:rPr lang="ru-RU" dirty="0" smtClean="0">
+              <a:rPr lang="ru-RU" dirty="0">
                 <a:effectLst/>
               </a:rPr>
               <a:t>Исаков</a:t>
             </a:r>
             <a:r>
-              <a:rPr lang="en-US" dirty="0" smtClean="0">
+              <a:rPr lang="en-US" dirty="0">
                 <a:effectLst/>
               </a:rPr>
               <a:t> </a:t>
             </a:r>
             <a:r>
-              <a:rPr lang="ru-RU" dirty="0" smtClean="0">
+              <a:rPr lang="ru-RU" dirty="0">
                 <a:effectLst/>
               </a:rPr>
               <a:t>Иван</a:t>
@@ -3469,10 +3469,9 @@
           <a:lstStyle/>
           <a:p>
             <a:r>
-              <a:rPr lang="ru-RU" dirty="0" smtClean="0"/>
+              <a:rPr lang="ru-RU" dirty="0"/>
               <a:t>Идея проекта</a:t>
             </a:r>
-            <a:endParaRPr lang="ru-RU" dirty="0"/>
           </a:p>
         </p:txBody>
       </p:sp>
@@ -3495,7 +3494,7 @@
               <a:buNone/>
             </a:pPr>
             <a:r>
-              <a:rPr lang="ru-RU" sz="2000" dirty="0" smtClean="0"/>
+              <a:rPr lang="ru-RU" sz="2000" dirty="0"/>
               <a:t>Создание бота, который будет развлекать пользователя. Бот создан для того, чтобы с ним играть. Пользователь может сыграть с ботом в города или попробовать пройти викторины. </a:t>
             </a:r>
           </a:p>
@@ -3517,13 +3516,6 @@
   <p:clrMapOvr>
     <a:masterClrMapping/>
   </p:clrMapOvr>
-  <p:timing>
-    <p:tnLst>
-      <p:par>
-        <p:cTn id="1" dur="indefinite" restart="never" nodeType="tmRoot"/>
-      </p:par>
-    </p:tnLst>
-  </p:timing>
 </p:sld>
 </file>
 
@@ -3560,10 +3552,9 @@
           <a:lstStyle/>
           <a:p>
             <a:r>
-              <a:rPr lang="ru-RU" dirty="0" smtClean="0"/>
+              <a:rPr lang="ru-RU" dirty="0"/>
               <a:t>Меню</a:t>
             </a:r>
-            <a:endParaRPr lang="ru-RU" dirty="0"/>
           </a:p>
         </p:txBody>
       </p:sp>
@@ -3609,13 +3600,6 @@
   <p:clrMapOvr>
     <a:masterClrMapping/>
   </p:clrMapOvr>
-  <p:timing>
-    <p:tnLst>
-      <p:par>
-        <p:cTn id="1" dur="indefinite" restart="never" nodeType="tmRoot"/>
-      </p:par>
-    </p:tnLst>
-  </p:timing>
 </p:sld>
 </file>
 
@@ -3652,10 +3636,9 @@
           <a:lstStyle/>
           <a:p>
             <a:r>
-              <a:rPr lang="ru-RU" dirty="0" smtClean="0"/>
+              <a:rPr lang="ru-RU" dirty="0"/>
               <a:t>Города</a:t>
             </a:r>
-            <a:endParaRPr lang="ru-RU" dirty="0"/>
           </a:p>
         </p:txBody>
       </p:sp>
@@ -3763,13 +3746,6 @@
   <p:clrMapOvr>
     <a:masterClrMapping/>
   </p:clrMapOvr>
-  <p:timing>
-    <p:tnLst>
-      <p:par>
-        <p:cTn id="1" dur="indefinite" restart="never" nodeType="tmRoot"/>
-      </p:par>
-    </p:tnLst>
-  </p:timing>
 </p:sld>
 </file>
 
@@ -3806,7 +3782,7 @@
           <a:lstStyle/>
           <a:p>
             <a:r>
-              <a:rPr lang="ru-RU" smtClean="0"/>
+              <a:rPr lang="ru-RU"/>
               <a:t>Викторины</a:t>
             </a:r>
             <a:endParaRPr lang="ru-RU" dirty="0"/>
@@ -3919,13 +3895,6 @@
   <p:clrMapOvr>
     <a:masterClrMapping/>
   </p:clrMapOvr>
-  <p:timing>
-    <p:tnLst>
-      <p:par>
-        <p:cTn id="1" dur="indefinite" restart="never" nodeType="tmRoot"/>
-      </p:par>
-    </p:tnLst>
-  </p:timing>
 </p:sld>
 </file>
 
@@ -3989,29 +3958,29 @@
           <a:lstStyle/>
           <a:p>
             <a:r>
-              <a:rPr lang="ru-RU" dirty="0" smtClean="0"/>
-              <a:t>В боте реализованы функции приветствия, игры города и каждой из викторин. </a:t>
-            </a:r>
-          </a:p>
-          <a:p>
-            <a:r>
-              <a:rPr lang="ru-RU" dirty="0" smtClean="0"/>
-              <a:t>Информация о города храниться в </a:t>
-            </a:r>
-            <a:r>
-              <a:rPr lang="en-US" dirty="0" err="1" smtClean="0">
+              <a:rPr lang="ru-RU" dirty="0"/>
+              <a:t>В боте реализованы функции приветствия, игры «города» и каждой из викторин. </a:t>
+            </a:r>
+          </a:p>
+          <a:p>
+            <a:r>
+              <a:rPr lang="ru-RU" dirty="0"/>
+              <a:t>Информация о городе хранится в </a:t>
+            </a:r>
+            <a:r>
+              <a:rPr lang="en-US" dirty="0" err="1">
                 <a:latin typeface="Corbel" panose="020B0503020204020204" pitchFamily="34" charset="0"/>
               </a:rPr>
               <a:t>json</a:t>
             </a:r>
             <a:r>
-              <a:rPr lang="en-US" dirty="0" smtClean="0">
+              <a:rPr lang="en-US" dirty="0">
                 <a:latin typeface="Corbel" panose="020B0503020204020204" pitchFamily="34" charset="0"/>
               </a:rPr>
               <a:t> </a:t>
             </a:r>
             <a:r>
-              <a:rPr lang="ru-RU" dirty="0" smtClean="0">
+              <a:rPr lang="ru-RU" dirty="0">
                 <a:latin typeface="Corbel" panose="020B0503020204020204" pitchFamily="34" charset="0"/>
               </a:rPr>
               <a:t>файле.</a:t>
@@ -4019,7 +3988,7 @@
           </a:p>
           <a:p>
             <a:r>
-              <a:rPr lang="ru-RU" dirty="0" smtClean="0">
+              <a:rPr lang="ru-RU" dirty="0">
                 <a:latin typeface="Corbel" panose="020B0503020204020204" pitchFamily="34" charset="0"/>
               </a:rPr>
               <a:t>Для реализации вопросов в викторине используются картинки и музыкальные файлы</a:t>
@@ -4027,36 +3996,24 @@
           </a:p>
           <a:p>
             <a:r>
-              <a:rPr lang="ru-RU" dirty="0" smtClean="0">
-                <a:latin typeface="Corbel" panose="020B0503020204020204" pitchFamily="34" charset="0"/>
-              </a:rPr>
-              <a:t>В игре города используется </a:t>
-            </a:r>
-            <a:r>
               <a:rPr lang="ru-RU" dirty="0">
                 <a:latin typeface="Corbel" panose="020B0503020204020204" pitchFamily="34" charset="0"/>
               </a:rPr>
-              <a:t>Я</a:t>
-            </a:r>
-            <a:r>
-              <a:rPr lang="ru-RU" dirty="0" smtClean="0">
-                <a:latin typeface="Corbel" panose="020B0503020204020204" pitchFamily="34" charset="0"/>
-              </a:rPr>
-              <a:t>ндекс </a:t>
-            </a:r>
-            <a:r>
-              <a:rPr lang="en-US" dirty="0" smtClean="0">
+              <a:t>В игре «города» используется Яндекс </a:t>
+            </a:r>
+            <a:r>
+              <a:rPr lang="en-US" dirty="0">
                 <a:latin typeface="Corbel" panose="020B0503020204020204" pitchFamily="34" charset="0"/>
               </a:rPr>
               <a:t>API</a:t>
             </a:r>
-            <a:endParaRPr lang="ru-RU" dirty="0" smtClean="0">
+            <a:endParaRPr lang="ru-RU" dirty="0">
               <a:latin typeface="Corbel" panose="020B0503020204020204" pitchFamily="34" charset="0"/>
             </a:endParaRPr>
           </a:p>
           <a:p>
             <a:r>
-              <a:rPr lang="ru-RU" dirty="0" smtClean="0">
+              <a:rPr lang="ru-RU" dirty="0">
                 <a:latin typeface="Corbel" panose="020B0503020204020204" pitchFamily="34" charset="0"/>
               </a:rPr>
               <a:t>Интерфейс состоит из кнопок и дружелюбных смайликов</a:t>
@@ -4075,13 +4032,6 @@
   <p:clrMapOvr>
     <a:masterClrMapping/>
   </p:clrMapOvr>
-  <p:timing>
-    <p:tnLst>
-      <p:par>
-        <p:cTn id="1" dur="indefinite" restart="never" nodeType="tmRoot"/>
-      </p:par>
-    </p:tnLst>
-  </p:timing>
 </p:sld>
 </file>
 
@@ -4149,60 +4099,31 @@
             </a:r>
             <a:r>
               <a:rPr lang="ru-RU" dirty="0"/>
-              <a:t>. Был получен опыт в </a:t>
-            </a:r>
-            <a:r>
-              <a:rPr lang="ru-RU" dirty="0" smtClean="0"/>
-              <a:t>разработке</a:t>
-            </a:r>
-            <a:r>
-              <a:rPr lang="en-US" dirty="0" smtClean="0"/>
+              <a:t>. Был получен опыт в разработке</a:t>
+            </a:r>
+            <a:r>
+              <a:rPr lang="en-US" dirty="0"/>
               <a:t> </a:t>
             </a:r>
             <a:r>
-              <a:rPr lang="en-US" dirty="0" smtClean="0">
+              <a:rPr lang="en-US" dirty="0">
                 <a:latin typeface="Corbel" panose="020B0503020204020204" pitchFamily="34" charset="0"/>
               </a:rPr>
               <a:t>Telegram </a:t>
             </a:r>
             <a:r>
-              <a:rPr lang="ru-RU" dirty="0" smtClean="0">
+              <a:rPr lang="ru-RU" dirty="0">
                 <a:latin typeface="Corbel" panose="020B0503020204020204" pitchFamily="34" charset="0"/>
               </a:rPr>
               <a:t>бота.</a:t>
             </a:r>
-            <a:endParaRPr lang="en-US" dirty="0" smtClean="0"/>
-          </a:p>
-          <a:p>
-            <a:r>
-              <a:rPr lang="ru-RU" dirty="0" smtClean="0"/>
-              <a:t>В </a:t>
-            </a:r>
+            <a:endParaRPr lang="en-US" dirty="0"/>
+          </a:p>
+          <a:p>
             <a:r>
               <a:rPr lang="ru-RU" dirty="0"/>
-              <a:t>дальнейшем </a:t>
-            </a:r>
-            <a:r>
-              <a:rPr lang="ru-RU" dirty="0" smtClean="0"/>
-              <a:t>бота </a:t>
-            </a:r>
-            <a:r>
-              <a:rPr lang="ru-RU" dirty="0"/>
-              <a:t>можно усовершенствовать, </a:t>
-            </a:r>
-            <a:r>
-              <a:rPr lang="ru-RU" dirty="0" smtClean="0"/>
-              <a:t>улучшив интерфейс, </a:t>
-            </a:r>
-            <a:r>
-              <a:rPr lang="ru-RU" dirty="0"/>
-              <a:t>добавив новые </a:t>
-            </a:r>
-            <a:r>
-              <a:rPr lang="ru-RU" dirty="0" smtClean="0"/>
-              <a:t>функции.</a:t>
-            </a:r>
-            <a:endParaRPr lang="ru-RU" dirty="0"/>
+              <a:t>В дальнейшем бота можно усовершенствовать, улучшив интерфейс, добавив новые функции.</a:t>
+            </a:r>
           </a:p>
         </p:txBody>
       </p:sp>
@@ -4216,13 +4137,6 @@
   <p:clrMapOvr>
     <a:masterClrMapping/>
   </p:clrMapOvr>
-  <p:timing>
-    <p:tnLst>
-      <p:par>
-        <p:cTn id="1" dur="indefinite" restart="never" nodeType="tmRoot"/>
-      </p:par>
-    </p:tnLst>
-  </p:timing>
 </p:sld>
 </file>
 
